--- a/docs/setting-samples-azure-overview_ja.pptx
+++ b/docs/setting-samples-azure-overview_ja.pptx
@@ -313,7 +313,7 @@
               <a:rPr kumimoji="1" lang="ja-JP" altLang="en-US" smtClean="0">
                 <a:ea typeface="メイリオ" panose="020B0604030504040204" pitchFamily="50" charset="-128"/>
               </a:rPr>
-              <a:t>2022/4/26</a:t>
+              <a:t>2022/6/27</a:t>
             </a:fld>
             <a:endParaRPr kumimoji="1" lang="ja-JP" altLang="en-US" dirty="0">
               <a:ea typeface="メイリオ" panose="020B0604030504040204" pitchFamily="50" charset="-128"/>
@@ -459,7 +459,7 @@
             <a:fld id="{4B26993D-C081-44EB-B0F5-A9F467792B62}" type="datetimeFigureOut">
               <a:rPr lang="ja-JP" altLang="en-US" smtClean="0"/>
               <a:pPr/>
-              <a:t>2022/4/26</a:t>
+              <a:t>2022/6/27</a:t>
             </a:fld>
             <a:endParaRPr lang="ja-JP" altLang="en-US" dirty="0"/>
           </a:p>
@@ -3933,7 +3933,7 @@
                 <a:ea typeface="+mn-lt"/>
                 <a:cs typeface="+mn-lt"/>
               </a:rPr>
-              <a:t>1.9.1</a:t>
+              <a:t>1.9.1/1.10.0</a:t>
             </a:r>
             <a:r>
               <a:rPr lang="ja-JP" dirty="0">
@@ -43188,6 +43188,15 @@
 </file>
 
 <file path=customXml/item1.xml><?xml version="1.0" encoding="utf-8"?>
+<?mso-contentType ?>
+<FormTemplates xmlns="http://schemas.microsoft.com/sharepoint/v3/contenttype/forms">
+  <Display>DocumentLibraryForm</Display>
+  <Edit>DocumentLibraryForm</Edit>
+  <New>DocumentLibraryForm</New>
+</FormTemplates>
+</file>
+
+<file path=customXml/item2.xml><?xml version="1.0" encoding="utf-8"?>
 <ct:contentTypeSchema xmlns:ct="http://schemas.microsoft.com/office/2006/metadata/contentType" xmlns:ma="http://schemas.microsoft.com/office/2006/metadata/properties/metaAttributes" ct:_="" ma:_="" ma:contentTypeName="ドキュメント" ma:contentTypeID="0x01010084FABC01750754469A9A21C30F936C75" ma:contentTypeVersion="10" ma:contentTypeDescription="新しいドキュメントを作成します。" ma:contentTypeScope="" ma:versionID="7c9317cb8e15abe940e9c1329b8b4475">
   <xsd:schema xmlns:xsd="http://www.w3.org/2001/XMLSchema" xmlns:xs="http://www.w3.org/2001/XMLSchema" xmlns:p="http://schemas.microsoft.com/office/2006/metadata/properties" xmlns:ns2="e3c7534c-8447-4121-a676-7eb0e8edc712" targetNamespace="http://schemas.microsoft.com/office/2006/metadata/properties" ma:root="true" ma:fieldsID="b5acee7d53e9b795c6da65c014eb365c" ns2:_="">
     <xsd:import namespace="e3c7534c-8447-4121-a676-7eb0e8edc712"/>
@@ -43375,15 +43384,6 @@
 </ct:contentTypeSchema>
 </file>
 
-<file path=customXml/item2.xml><?xml version="1.0" encoding="utf-8"?>
-<?mso-contentType ?>
-<FormTemplates xmlns="http://schemas.microsoft.com/sharepoint/v3/contenttype/forms">
-  <Display>DocumentLibraryForm</Display>
-  <Edit>DocumentLibraryForm</Edit>
-  <New>DocumentLibraryForm</New>
-</FormTemplates>
-</file>
-
 <file path=customXml/item3.xml><?xml version="1.0" encoding="utf-8"?>
 <p:properties xmlns:p="http://schemas.microsoft.com/office/2006/metadata/properties" xmlns:xsi="http://www.w3.org/2001/XMLSchema-instance" xmlns:pc="http://schemas.microsoft.com/office/infopath/2007/PartnerControls">
   <documentManagement>
@@ -43394,6 +43394,14 @@
 </file>
 
 <file path=customXml/itemProps1.xml><?xml version="1.0" encoding="utf-8"?>
+<ds:datastoreItem xmlns:ds="http://schemas.openxmlformats.org/officeDocument/2006/customXml" ds:itemID="{13F84729-594C-4E0F-8EA2-5AB0534BB9E4}">
+  <ds:schemaRefs>
+    <ds:schemaRef ds:uri="http://schemas.microsoft.com/sharepoint/v3/contenttype/forms"/>
+  </ds:schemaRefs>
+</ds:datastoreItem>
+</file>
+
+<file path=customXml/itemProps2.xml><?xml version="1.0" encoding="utf-8"?>
 <ds:datastoreItem xmlns:ds="http://schemas.openxmlformats.org/officeDocument/2006/customXml" ds:itemID="{327A3879-10DF-4727-A3E8-3E55D6641431}">
   <ds:schemaRefs>
     <ds:schemaRef ds:uri="http://schemas.microsoft.com/office/2006/metadata/contentType"/>
@@ -43407,14 +43415,6 @@
     <ds:schemaRef ds:uri="http://purl.org/dc/elements/1.1/"/>
     <ds:schemaRef ds:uri="http://purl.org/dc/terms/"/>
     <ds:schemaRef ds:uri="http://schemas.microsoft.com/internal/obd"/>
-  </ds:schemaRefs>
-</ds:datastoreItem>
-</file>
-
-<file path=customXml/itemProps2.xml><?xml version="1.0" encoding="utf-8"?>
-<ds:datastoreItem xmlns:ds="http://schemas.openxmlformats.org/officeDocument/2006/customXml" ds:itemID="{13F84729-594C-4E0F-8EA2-5AB0534BB9E4}">
-  <ds:schemaRefs>
-    <ds:schemaRef ds:uri="http://schemas.microsoft.com/sharepoint/v3/contenttype/forms"/>
   </ds:schemaRefs>
 </ds:datastoreItem>
 </file>

--- a/docs/setting-samples-azure-overview_ja.pptx
+++ b/docs/setting-samples-azure-overview_ja.pptx
@@ -313,7 +313,7 @@
               <a:rPr kumimoji="1" lang="ja-JP" altLang="en-US" smtClean="0">
                 <a:ea typeface="メイリオ" panose="020B0604030504040204" pitchFamily="50" charset="-128"/>
               </a:rPr>
-              <a:t>2022/6/27</a:t>
+              <a:t>2023/2/28</a:t>
             </a:fld>
             <a:endParaRPr kumimoji="1" lang="ja-JP" altLang="en-US" dirty="0">
               <a:ea typeface="メイリオ" panose="020B0604030504040204" pitchFamily="50" charset="-128"/>
@@ -459,7 +459,7 @@
             <a:fld id="{4B26993D-C081-44EB-B0F5-A9F467792B62}" type="datetimeFigureOut">
               <a:rPr lang="ja-JP" altLang="en-US" smtClean="0"/>
               <a:pPr/>
-              <a:t>2022/6/27</a:t>
+              <a:t>2023/2/28</a:t>
             </a:fld>
             <a:endParaRPr lang="ja-JP" altLang="en-US" dirty="0"/>
           </a:p>
@@ -3933,7 +3933,7 @@
                 <a:ea typeface="+mn-lt"/>
                 <a:cs typeface="+mn-lt"/>
               </a:rPr>
-              <a:t>1.9.1/1.10.0</a:t>
+              <a:t>1.9.1/1.10.0/1.10.2</a:t>
             </a:r>
             <a:r>
               <a:rPr lang="ja-JP" dirty="0">
@@ -43188,12 +43188,12 @@
 </file>
 
 <file path=customXml/item1.xml><?xml version="1.0" encoding="utf-8"?>
-<?mso-contentType ?>
-<FormTemplates xmlns="http://schemas.microsoft.com/sharepoint/v3/contenttype/forms">
-  <Display>DocumentLibraryForm</Display>
-  <Edit>DocumentLibraryForm</Edit>
-  <New>DocumentLibraryForm</New>
-</FormTemplates>
+<p:properties xmlns:p="http://schemas.microsoft.com/office/2006/metadata/properties" xmlns:xsi="http://www.w3.org/2001/XMLSchema-instance" xmlns:pc="http://schemas.microsoft.com/office/infopath/2007/PartnerControls">
+  <documentManagement>
+    <_x6587__x66f8__x540d_ xmlns="e3c7534c-8447-4121-a676-7eb0e8edc712" xsi:nil="true"/>
+    <_x30e2__x30c7__x30eb__x540d_ xmlns="e3c7534c-8447-4121-a676-7eb0e8edc712" xsi:nil="true"/>
+  </documentManagement>
+</p:properties>
 </file>
 
 <file path=customXml/item2.xml><?xml version="1.0" encoding="utf-8"?>
@@ -43385,18 +43385,26 @@
 </file>
 
 <file path=customXml/item3.xml><?xml version="1.0" encoding="utf-8"?>
-<p:properties xmlns:p="http://schemas.microsoft.com/office/2006/metadata/properties" xmlns:xsi="http://www.w3.org/2001/XMLSchema-instance" xmlns:pc="http://schemas.microsoft.com/office/infopath/2007/PartnerControls">
-  <documentManagement>
-    <_x6587__x66f8__x540d_ xmlns="e3c7534c-8447-4121-a676-7eb0e8edc712" xsi:nil="true"/>
-    <_x30e2__x30c7__x30eb__x540d_ xmlns="e3c7534c-8447-4121-a676-7eb0e8edc712" xsi:nil="true"/>
-  </documentManagement>
-</p:properties>
+<?mso-contentType ?>
+<FormTemplates xmlns="http://schemas.microsoft.com/sharepoint/v3/contenttype/forms">
+  <Display>DocumentLibraryForm</Display>
+  <Edit>DocumentLibraryForm</Edit>
+  <New>DocumentLibraryForm</New>
+</FormTemplates>
 </file>
 
 <file path=customXml/itemProps1.xml><?xml version="1.0" encoding="utf-8"?>
-<ds:datastoreItem xmlns:ds="http://schemas.openxmlformats.org/officeDocument/2006/customXml" ds:itemID="{13F84729-594C-4E0F-8EA2-5AB0534BB9E4}">
+<ds:datastoreItem xmlns:ds="http://schemas.openxmlformats.org/officeDocument/2006/customXml" ds:itemID="{7D2DF80A-40B4-495F-A15B-9E9755F00A7A}">
   <ds:schemaRefs>
-    <ds:schemaRef ds:uri="http://schemas.microsoft.com/sharepoint/v3/contenttype/forms"/>
+    <ds:schemaRef ds:uri="http://purl.org/dc/terms/"/>
+    <ds:schemaRef ds:uri="http://www.w3.org/XML/1998/namespace"/>
+    <ds:schemaRef ds:uri="http://purl.org/dc/elements/1.1/"/>
+    <ds:schemaRef ds:uri="http://schemas.microsoft.com/office/2006/documentManagement/types"/>
+    <ds:schemaRef ds:uri="http://schemas.microsoft.com/office/infopath/2007/PartnerControls"/>
+    <ds:schemaRef ds:uri="http://schemas.openxmlformats.org/package/2006/metadata/core-properties"/>
+    <ds:schemaRef ds:uri="e3c7534c-8447-4121-a676-7eb0e8edc712"/>
+    <ds:schemaRef ds:uri="http://schemas.microsoft.com/office/2006/metadata/properties"/>
+    <ds:schemaRef ds:uri="http://purl.org/dc/dcmitype/"/>
   </ds:schemaRefs>
 </ds:datastoreItem>
 </file>
@@ -43420,17 +43428,9 @@
 </file>
 
 <file path=customXml/itemProps3.xml><?xml version="1.0" encoding="utf-8"?>
-<ds:datastoreItem xmlns:ds="http://schemas.openxmlformats.org/officeDocument/2006/customXml" ds:itemID="{7D2DF80A-40B4-495F-A15B-9E9755F00A7A}">
+<ds:datastoreItem xmlns:ds="http://schemas.openxmlformats.org/officeDocument/2006/customXml" ds:itemID="{13F84729-594C-4E0F-8EA2-5AB0534BB9E4}">
   <ds:schemaRefs>
-    <ds:schemaRef ds:uri="http://purl.org/dc/terms/"/>
-    <ds:schemaRef ds:uri="http://www.w3.org/XML/1998/namespace"/>
-    <ds:schemaRef ds:uri="http://purl.org/dc/elements/1.1/"/>
-    <ds:schemaRef ds:uri="http://schemas.microsoft.com/office/2006/documentManagement/types"/>
-    <ds:schemaRef ds:uri="http://schemas.microsoft.com/office/infopath/2007/PartnerControls"/>
-    <ds:schemaRef ds:uri="http://schemas.openxmlformats.org/package/2006/metadata/core-properties"/>
-    <ds:schemaRef ds:uri="e3c7534c-8447-4121-a676-7eb0e8edc712"/>
-    <ds:schemaRef ds:uri="http://schemas.microsoft.com/office/2006/metadata/properties"/>
-    <ds:schemaRef ds:uri="http://purl.org/dc/dcmitype/"/>
+    <ds:schemaRef ds:uri="http://schemas.microsoft.com/sharepoint/v3/contenttype/forms"/>
   </ds:schemaRefs>
 </ds:datastoreItem>
 </file>